--- a/03_debuggin_and_visualization/Debugging.pptx
+++ b/03_debuggin_and_visualization/Debugging.pptx
@@ -226,7 +226,7 @@
           <a:p>
             <a:fld id="{D75CAE95-D2DD-4998-876A-092BFD628C65}" type="datetimeFigureOut">
               <a:rPr lang="da-DK" smtClean="0"/>
-              <a:t>28-04-2021</a:t>
+              <a:t>13-05-2021</a:t>
             </a:fld>
             <a:endParaRPr lang="da-DK"/>
           </a:p>
@@ -404,7 +404,7 @@
           <a:p>
             <a:fld id="{1DA8E099-58AA-4136-B409-1CAD1943D842}" type="datetimeFigureOut">
               <a:rPr lang="da-DK" smtClean="0"/>
-              <a:t>28-04-2021</a:t>
+              <a:t>13-05-2021</a:t>
             </a:fld>
             <a:endParaRPr lang="da-DK"/>
           </a:p>
@@ -822,7 +822,7 @@
           <a:p>
             <a:fld id="{C85334AD-9960-4065-BF34-86ED0345A76D}" type="datetime1">
               <a:rPr lang="en-US" smtClean="0"/>
-              <a:t>4/28/2021</a:t>
+              <a:t>5/13/2021</a:t>
             </a:fld>
             <a:endParaRPr lang="da-DK"/>
           </a:p>
@@ -1061,7 +1061,7 @@
           <a:p>
             <a:fld id="{C5669758-3775-48D7-A841-693E908C3BF4}" type="datetime1">
               <a:rPr lang="en-US" smtClean="0"/>
-              <a:t>4/28/2021</a:t>
+              <a:t>5/13/2021</a:t>
             </a:fld>
             <a:endParaRPr lang="da-DK"/>
           </a:p>
@@ -1274,7 +1274,7 @@
           <a:p>
             <a:fld id="{1E0C3FF1-EDBD-4F2A-8366-34A4E3728310}" type="datetime1">
               <a:rPr lang="en-US" smtClean="0"/>
-              <a:t>4/28/2021</a:t>
+              <a:t>5/13/2021</a:t>
             </a:fld>
             <a:endParaRPr lang="da-DK"/>
           </a:p>
@@ -1495,7 +1495,7 @@
           <a:p>
             <a:fld id="{019E29B9-5584-4737-9C98-1B926378C778}" type="datetime1">
               <a:rPr lang="en-US" smtClean="0"/>
-              <a:t>4/28/2021</a:t>
+              <a:t>5/13/2021</a:t>
             </a:fld>
             <a:endParaRPr lang="da-DK"/>
           </a:p>
@@ -1810,7 +1810,7 @@
           <a:p>
             <a:fld id="{FCE38F03-F67D-4508-A858-99FCD085087C}" type="datetime1">
               <a:rPr lang="en-US" smtClean="0"/>
-              <a:t>4/28/2021</a:t>
+              <a:t>5/13/2021</a:t>
             </a:fld>
             <a:endParaRPr lang="da-DK"/>
           </a:p>
@@ -2081,7 +2081,7 @@
           <a:p>
             <a:fld id="{B43F2930-3FFD-4F93-A4BD-4F0D1A0B4514}" type="datetime1">
               <a:rPr lang="en-US" smtClean="0"/>
-              <a:t>4/28/2021</a:t>
+              <a:t>5/13/2021</a:t>
             </a:fld>
             <a:endParaRPr lang="da-DK"/>
           </a:p>
@@ -2499,7 +2499,7 @@
           <a:p>
             <a:fld id="{8E0F9B9B-30CC-4693-8E0F-1A94A979E2C5}" type="datetime1">
               <a:rPr lang="en-US" smtClean="0"/>
-              <a:t>4/28/2021</a:t>
+              <a:t>5/13/2021</a:t>
             </a:fld>
             <a:endParaRPr lang="da-DK"/>
           </a:p>
@@ -2644,7 +2644,7 @@
           <a:p>
             <a:fld id="{6FE1433B-E6A7-44FF-8B55-539471B4D7C5}" type="datetime1">
               <a:rPr lang="en-US" smtClean="0"/>
-              <a:t>4/28/2021</a:t>
+              <a:t>5/13/2021</a:t>
             </a:fld>
             <a:endParaRPr lang="da-DK"/>
           </a:p>
@@ -2760,7 +2760,7 @@
           <a:p>
             <a:fld id="{624F4001-6A8C-42DA-824F-B5CC1375B861}" type="datetime1">
               <a:rPr lang="en-US" smtClean="0"/>
-              <a:t>4/28/2021</a:t>
+              <a:t>5/13/2021</a:t>
             </a:fld>
             <a:endParaRPr lang="da-DK"/>
           </a:p>
@@ -3076,7 +3076,7 @@
           <a:p>
             <a:fld id="{2D3BE137-2C5E-4078-8BA2-7D42D7E67218}" type="datetime1">
               <a:rPr lang="en-US" smtClean="0"/>
-              <a:t>4/28/2021</a:t>
+              <a:t>5/13/2021</a:t>
             </a:fld>
             <a:endParaRPr lang="da-DK"/>
           </a:p>
@@ -3368,7 +3368,7 @@
           <a:p>
             <a:fld id="{0D1436FF-56D3-4E93-92E8-71121EAB120E}" type="datetime1">
               <a:rPr lang="en-US" smtClean="0"/>
-              <a:t>4/28/2021</a:t>
+              <a:t>5/13/2021</a:t>
             </a:fld>
             <a:endParaRPr lang="da-DK"/>
           </a:p>
@@ -3614,7 +3614,7 @@
           <a:p>
             <a:fld id="{16601EF2-4BCA-4009-ACCF-B97F259DEF6F}" type="datetime1">
               <a:rPr lang="en-US" smtClean="0"/>
-              <a:t>4/28/2021</a:t>
+              <a:t>5/13/2021</a:t>
             </a:fld>
             <a:endParaRPr lang="da-DK"/>
           </a:p>
@@ -4299,7 +4299,7 @@
           <a:p>
             <a:fld id="{019E29B9-5584-4737-9C98-1B926378C778}" type="datetime1">
               <a:rPr lang="en-US" smtClean="0"/>
-              <a:t>4/28/2021</a:t>
+              <a:t>5/13/2021</a:t>
             </a:fld>
             <a:endParaRPr lang="da-DK"/>
           </a:p>
@@ -4674,7 +4674,7 @@
           <a:p>
             <a:fld id="{019E29B9-5584-4737-9C98-1B926378C778}" type="datetime1">
               <a:rPr lang="en-US" smtClean="0"/>
-              <a:t>4/28/2021</a:t>
+              <a:t>5/13/2021</a:t>
             </a:fld>
             <a:endParaRPr lang="da-DK"/>
           </a:p>
@@ -4843,7 +4843,7 @@
           <a:p>
             <a:fld id="{019E29B9-5584-4737-9C98-1B926378C778}" type="datetime1">
               <a:rPr lang="en-US" smtClean="0"/>
-              <a:t>4/28/2021</a:t>
+              <a:t>5/13/2021</a:t>
             </a:fld>
             <a:endParaRPr lang="da-DK"/>
           </a:p>
@@ -5052,7 +5052,7 @@
           <a:p>
             <a:fld id="{019E29B9-5584-4737-9C98-1B926378C778}" type="datetime1">
               <a:rPr lang="en-US" smtClean="0"/>
-              <a:t>4/28/2021</a:t>
+              <a:t>5/13/2021</a:t>
             </a:fld>
             <a:endParaRPr lang="da-DK"/>
           </a:p>
@@ -5430,7 +5430,7 @@
           <a:p>
             <a:fld id="{019E29B9-5584-4737-9C98-1B926378C778}" type="datetime1">
               <a:rPr lang="en-US" smtClean="0"/>
-              <a:t>4/28/2021</a:t>
+              <a:t>5/13/2021</a:t>
             </a:fld>
             <a:endParaRPr lang="da-DK"/>
           </a:p>
@@ -6061,7 +6061,7 @@
           <a:p>
             <a:fld id="{019E29B9-5584-4737-9C98-1B926378C778}" type="datetime1">
               <a:rPr lang="en-US" smtClean="0"/>
-              <a:t>4/28/2021</a:t>
+              <a:t>5/13/2021</a:t>
             </a:fld>
             <a:endParaRPr lang="da-DK"/>
           </a:p>
@@ -6513,7 +6513,7 @@
           <a:p>
             <a:fld id="{019E29B9-5584-4737-9C98-1B926378C778}" type="datetime1">
               <a:rPr lang="en-US" smtClean="0"/>
-              <a:t>4/28/2021</a:t>
+              <a:t>5/13/2021</a:t>
             </a:fld>
             <a:endParaRPr lang="da-DK"/>
           </a:p>
@@ -6774,7 +6774,7 @@
           <a:p>
             <a:fld id="{019E29B9-5584-4737-9C98-1B926378C778}" type="datetime1">
               <a:rPr lang="en-US" smtClean="0"/>
-              <a:t>4/28/2021</a:t>
+              <a:t>5/13/2021</a:t>
             </a:fld>
             <a:endParaRPr lang="da-DK"/>
           </a:p>
@@ -7076,7 +7076,7 @@
           <a:p>
             <a:fld id="{019E29B9-5584-4737-9C98-1B926378C778}" type="datetime1">
               <a:rPr lang="en-US" smtClean="0"/>
-              <a:t>4/28/2021</a:t>
+              <a:t>5/13/2021</a:t>
             </a:fld>
             <a:endParaRPr lang="da-DK"/>
           </a:p>
@@ -7266,7 +7266,7 @@
           <a:p>
             <a:fld id="{019E29B9-5584-4737-9C98-1B926378C778}" type="datetime1">
               <a:rPr lang="en-US" smtClean="0"/>
-              <a:t>4/28/2021</a:t>
+              <a:t>5/13/2021</a:t>
             </a:fld>
             <a:endParaRPr lang="da-DK"/>
           </a:p>
@@ -7477,7 +7477,7 @@
           <a:p>
             <a:fld id="{019E29B9-5584-4737-9C98-1B926378C778}" type="datetime1">
               <a:rPr lang="en-US" smtClean="0"/>
-              <a:t>4/28/2021</a:t>
+              <a:t>5/13/2021</a:t>
             </a:fld>
             <a:endParaRPr lang="da-DK" dirty="0"/>
           </a:p>

--- a/03_debuggin_and_visualization/Debugging.pptx
+++ b/03_debuggin_and_visualization/Debugging.pptx
@@ -226,7 +226,7 @@
           <a:p>
             <a:fld id="{D75CAE95-D2DD-4998-876A-092BFD628C65}" type="datetimeFigureOut">
               <a:rPr lang="da-DK" smtClean="0"/>
-              <a:t>13-05-2021</a:t>
+              <a:t>28-05-2021</a:t>
             </a:fld>
             <a:endParaRPr lang="da-DK"/>
           </a:p>
@@ -404,7 +404,7 @@
           <a:p>
             <a:fld id="{1DA8E099-58AA-4136-B409-1CAD1943D842}" type="datetimeFigureOut">
               <a:rPr lang="da-DK" smtClean="0"/>
-              <a:t>13-05-2021</a:t>
+              <a:t>28-05-2021</a:t>
             </a:fld>
             <a:endParaRPr lang="da-DK"/>
           </a:p>
@@ -822,7 +822,7 @@
           <a:p>
             <a:fld id="{C85334AD-9960-4065-BF34-86ED0345A76D}" type="datetime1">
               <a:rPr lang="en-US" smtClean="0"/>
-              <a:t>5/13/2021</a:t>
+              <a:t>5/28/2021</a:t>
             </a:fld>
             <a:endParaRPr lang="da-DK"/>
           </a:p>
@@ -1061,7 +1061,7 @@
           <a:p>
             <a:fld id="{C5669758-3775-48D7-A841-693E908C3BF4}" type="datetime1">
               <a:rPr lang="en-US" smtClean="0"/>
-              <a:t>5/13/2021</a:t>
+              <a:t>5/28/2021</a:t>
             </a:fld>
             <a:endParaRPr lang="da-DK"/>
           </a:p>
@@ -1274,7 +1274,7 @@
           <a:p>
             <a:fld id="{1E0C3FF1-EDBD-4F2A-8366-34A4E3728310}" type="datetime1">
               <a:rPr lang="en-US" smtClean="0"/>
-              <a:t>5/13/2021</a:t>
+              <a:t>5/28/2021</a:t>
             </a:fld>
             <a:endParaRPr lang="da-DK"/>
           </a:p>
@@ -1495,7 +1495,7 @@
           <a:p>
             <a:fld id="{019E29B9-5584-4737-9C98-1B926378C778}" type="datetime1">
               <a:rPr lang="en-US" smtClean="0"/>
-              <a:t>5/13/2021</a:t>
+              <a:t>5/28/2021</a:t>
             </a:fld>
             <a:endParaRPr lang="da-DK"/>
           </a:p>
@@ -1810,7 +1810,7 @@
           <a:p>
             <a:fld id="{FCE38F03-F67D-4508-A858-99FCD085087C}" type="datetime1">
               <a:rPr lang="en-US" smtClean="0"/>
-              <a:t>5/13/2021</a:t>
+              <a:t>5/28/2021</a:t>
             </a:fld>
             <a:endParaRPr lang="da-DK"/>
           </a:p>
@@ -2081,7 +2081,7 @@
           <a:p>
             <a:fld id="{B43F2930-3FFD-4F93-A4BD-4F0D1A0B4514}" type="datetime1">
               <a:rPr lang="en-US" smtClean="0"/>
-              <a:t>5/13/2021</a:t>
+              <a:t>5/28/2021</a:t>
             </a:fld>
             <a:endParaRPr lang="da-DK"/>
           </a:p>
@@ -2499,7 +2499,7 @@
           <a:p>
             <a:fld id="{8E0F9B9B-30CC-4693-8E0F-1A94A979E2C5}" type="datetime1">
               <a:rPr lang="en-US" smtClean="0"/>
-              <a:t>5/13/2021</a:t>
+              <a:t>5/28/2021</a:t>
             </a:fld>
             <a:endParaRPr lang="da-DK"/>
           </a:p>
@@ -2644,7 +2644,7 @@
           <a:p>
             <a:fld id="{6FE1433B-E6A7-44FF-8B55-539471B4D7C5}" type="datetime1">
               <a:rPr lang="en-US" smtClean="0"/>
-              <a:t>5/13/2021</a:t>
+              <a:t>5/28/2021</a:t>
             </a:fld>
             <a:endParaRPr lang="da-DK"/>
           </a:p>
@@ -2760,7 +2760,7 @@
           <a:p>
             <a:fld id="{624F4001-6A8C-42DA-824F-B5CC1375B861}" type="datetime1">
               <a:rPr lang="en-US" smtClean="0"/>
-              <a:t>5/13/2021</a:t>
+              <a:t>5/28/2021</a:t>
             </a:fld>
             <a:endParaRPr lang="da-DK"/>
           </a:p>
@@ -3076,7 +3076,7 @@
           <a:p>
             <a:fld id="{2D3BE137-2C5E-4078-8BA2-7D42D7E67218}" type="datetime1">
               <a:rPr lang="en-US" smtClean="0"/>
-              <a:t>5/13/2021</a:t>
+              <a:t>5/28/2021</a:t>
             </a:fld>
             <a:endParaRPr lang="da-DK"/>
           </a:p>
@@ -3368,7 +3368,7 @@
           <a:p>
             <a:fld id="{0D1436FF-56D3-4E93-92E8-71121EAB120E}" type="datetime1">
               <a:rPr lang="en-US" smtClean="0"/>
-              <a:t>5/13/2021</a:t>
+              <a:t>5/28/2021</a:t>
             </a:fld>
             <a:endParaRPr lang="da-DK"/>
           </a:p>
@@ -3614,7 +3614,7 @@
           <a:p>
             <a:fld id="{16601EF2-4BCA-4009-ACCF-B97F259DEF6F}" type="datetime1">
               <a:rPr lang="en-US" smtClean="0"/>
-              <a:t>5/13/2021</a:t>
+              <a:t>5/28/2021</a:t>
             </a:fld>
             <a:endParaRPr lang="da-DK"/>
           </a:p>
@@ -4299,7 +4299,7 @@
           <a:p>
             <a:fld id="{019E29B9-5584-4737-9C98-1B926378C778}" type="datetime1">
               <a:rPr lang="en-US" smtClean="0"/>
-              <a:t>5/13/2021</a:t>
+              <a:t>5/28/2021</a:t>
             </a:fld>
             <a:endParaRPr lang="da-DK"/>
           </a:p>
@@ -4674,7 +4674,7 @@
           <a:p>
             <a:fld id="{019E29B9-5584-4737-9C98-1B926378C778}" type="datetime1">
               <a:rPr lang="en-US" smtClean="0"/>
-              <a:t>5/13/2021</a:t>
+              <a:t>5/28/2021</a:t>
             </a:fld>
             <a:endParaRPr lang="da-DK"/>
           </a:p>
@@ -4843,7 +4843,7 @@
           <a:p>
             <a:fld id="{019E29B9-5584-4737-9C98-1B926378C778}" type="datetime1">
               <a:rPr lang="en-US" smtClean="0"/>
-              <a:t>5/13/2021</a:t>
+              <a:t>5/28/2021</a:t>
             </a:fld>
             <a:endParaRPr lang="da-DK"/>
           </a:p>
@@ -5052,7 +5052,7 @@
           <a:p>
             <a:fld id="{019E29B9-5584-4737-9C98-1B926378C778}" type="datetime1">
               <a:rPr lang="en-US" smtClean="0"/>
-              <a:t>5/13/2021</a:t>
+              <a:t>5/28/2021</a:t>
             </a:fld>
             <a:endParaRPr lang="da-DK"/>
           </a:p>
@@ -5430,7 +5430,7 @@
           <a:p>
             <a:fld id="{019E29B9-5584-4737-9C98-1B926378C778}" type="datetime1">
               <a:rPr lang="en-US" smtClean="0"/>
-              <a:t>5/13/2021</a:t>
+              <a:t>5/28/2021</a:t>
             </a:fld>
             <a:endParaRPr lang="da-DK"/>
           </a:p>
@@ -6061,7 +6061,7 @@
           <a:p>
             <a:fld id="{019E29B9-5584-4737-9C98-1B926378C778}" type="datetime1">
               <a:rPr lang="en-US" smtClean="0"/>
-              <a:t>5/13/2021</a:t>
+              <a:t>5/28/2021</a:t>
             </a:fld>
             <a:endParaRPr lang="da-DK"/>
           </a:p>
@@ -6513,7 +6513,7 @@
           <a:p>
             <a:fld id="{019E29B9-5584-4737-9C98-1B926378C778}" type="datetime1">
               <a:rPr lang="en-US" smtClean="0"/>
-              <a:t>5/13/2021</a:t>
+              <a:t>5/28/2021</a:t>
             </a:fld>
             <a:endParaRPr lang="da-DK"/>
           </a:p>
@@ -6774,7 +6774,7 @@
           <a:p>
             <a:fld id="{019E29B9-5584-4737-9C98-1B926378C778}" type="datetime1">
               <a:rPr lang="en-US" smtClean="0"/>
-              <a:t>5/13/2021</a:t>
+              <a:t>5/28/2021</a:t>
             </a:fld>
             <a:endParaRPr lang="da-DK"/>
           </a:p>
@@ -7076,7 +7076,7 @@
           <a:p>
             <a:fld id="{019E29B9-5584-4737-9C98-1B926378C778}" type="datetime1">
               <a:rPr lang="en-US" smtClean="0"/>
-              <a:t>5/13/2021</a:t>
+              <a:t>5/28/2021</a:t>
             </a:fld>
             <a:endParaRPr lang="da-DK"/>
           </a:p>
@@ -7266,7 +7266,7 @@
           <a:p>
             <a:fld id="{019E29B9-5584-4737-9C98-1B926378C778}" type="datetime1">
               <a:rPr lang="en-US" smtClean="0"/>
-              <a:t>5/13/2021</a:t>
+              <a:t>5/28/2021</a:t>
             </a:fld>
             <a:endParaRPr lang="da-DK"/>
           </a:p>
@@ -7477,7 +7477,7 @@
           <a:p>
             <a:fld id="{019E29B9-5584-4737-9C98-1B926378C778}" type="datetime1">
               <a:rPr lang="en-US" smtClean="0"/>
-              <a:t>5/13/2021</a:t>
+              <a:t>5/28/2021</a:t>
             </a:fld>
             <a:endParaRPr lang="da-DK" dirty="0"/>
           </a:p>

--- a/03_debuggin_and_visualization/Debugging.pptx
+++ b/03_debuggin_and_visualization/Debugging.pptx
@@ -5393,15 +5393,7 @@
             </a:pPr>
             <a:r>
               <a:rPr lang="en-US" dirty="0"/>
-              <a:t>I know that </a:t>
-            </a:r>
-            <a:r>
-              <a:rPr lang="en-US" dirty="0" err="1"/>
-              <a:t>iPython</a:t>
-            </a:r>
-            <a:r>
-              <a:rPr lang="en-US" dirty="0"/>
-              <a:t> notebooks are popular and for good reason: It is easy to get started, and you don't have to worry about too much "system stuff". But eventually, the issues with notebooks outweigh the benefits. So for you own sake: get a "real" editor and work on proper scripts.</a:t>
+              <a:t>I know that iPython notebooks are popular and for good reason: It is easy to get started, and you don't have to worry about too much "system stuff". But eventually, the issues with notebooks outweigh the benefits. So, for you own sake: get a "real" editor and work on proper scripts.</a:t>
             </a:r>
             <a:endParaRPr lang="da-DK" dirty="0"/>
           </a:p>
@@ -5926,19 +5918,7 @@
               <a:rPr lang="en-US" dirty="0">
                 <a:latin typeface="+mj-lt"/>
               </a:rPr>
-              <a:t>	from </a:t>
-            </a:r>
-            <a:r>
-              <a:rPr lang="en-US" dirty="0" err="1">
-                <a:latin typeface="+mj-lt"/>
-              </a:rPr>
-              <a:t>IPython</a:t>
-            </a:r>
-            <a:r>
-              <a:rPr lang="en-US" dirty="0">
-                <a:latin typeface="+mj-lt"/>
-              </a:rPr>
-              <a:t> import embed; embed()</a:t>
+              <a:t>	from IPython import embed; embed()</a:t>
             </a:r>
           </a:p>
           <a:p>
@@ -5960,19 +5940,7 @@
               <a:rPr lang="en-US" dirty="0">
                 <a:latin typeface="+mj-lt"/>
               </a:rPr>
-              <a:t>	exit() # exit </a:t>
-            </a:r>
-            <a:r>
-              <a:rPr lang="en-US" dirty="0" err="1">
-                <a:latin typeface="+mj-lt"/>
-              </a:rPr>
-              <a:t>ipython</a:t>
-            </a:r>
-            <a:r>
-              <a:rPr lang="en-US" dirty="0">
-                <a:latin typeface="+mj-lt"/>
-              </a:rPr>
-              <a:t> to let your code continue</a:t>
+              <a:t>	exit() # exit ipython to let your code continue</a:t>
             </a:r>
           </a:p>
           <a:p>
@@ -7225,7 +7193,7 @@
             </a:pPr>
             <a:r>
               <a:rPr lang="en-US" dirty="0"/>
-              <a:t>When things don't work, build a more simple model (ideally start with a simple model)</a:t>
+              <a:t>When things don't work, build a simpler model (ideally start with a simple model)</a:t>
             </a:r>
           </a:p>
           <a:p>

--- a/03_debuggin_and_visualization/Debugging.pptx
+++ b/03_debuggin_and_visualization/Debugging.pptx
@@ -226,7 +226,7 @@
           <a:p>
             <a:fld id="{D75CAE95-D2DD-4998-876A-092BFD628C65}" type="datetimeFigureOut">
               <a:rPr lang="da-DK" smtClean="0"/>
-              <a:t>28-05-2021</a:t>
+              <a:t>03-06-2021</a:t>
             </a:fld>
             <a:endParaRPr lang="da-DK"/>
           </a:p>
@@ -404,7 +404,7 @@
           <a:p>
             <a:fld id="{1DA8E099-58AA-4136-B409-1CAD1943D842}" type="datetimeFigureOut">
               <a:rPr lang="da-DK" smtClean="0"/>
-              <a:t>28-05-2021</a:t>
+              <a:t>03-06-2021</a:t>
             </a:fld>
             <a:endParaRPr lang="da-DK"/>
           </a:p>
@@ -822,7 +822,7 @@
           <a:p>
             <a:fld id="{C85334AD-9960-4065-BF34-86ED0345A76D}" type="datetime1">
               <a:rPr lang="en-US" smtClean="0"/>
-              <a:t>5/28/2021</a:t>
+              <a:t>6/3/2021</a:t>
             </a:fld>
             <a:endParaRPr lang="da-DK"/>
           </a:p>
@@ -1061,7 +1061,7 @@
           <a:p>
             <a:fld id="{C5669758-3775-48D7-A841-693E908C3BF4}" type="datetime1">
               <a:rPr lang="en-US" smtClean="0"/>
-              <a:t>5/28/2021</a:t>
+              <a:t>6/3/2021</a:t>
             </a:fld>
             <a:endParaRPr lang="da-DK"/>
           </a:p>
@@ -1274,7 +1274,7 @@
           <a:p>
             <a:fld id="{1E0C3FF1-EDBD-4F2A-8366-34A4E3728310}" type="datetime1">
               <a:rPr lang="en-US" smtClean="0"/>
-              <a:t>5/28/2021</a:t>
+              <a:t>6/3/2021</a:t>
             </a:fld>
             <a:endParaRPr lang="da-DK"/>
           </a:p>
@@ -1495,7 +1495,7 @@
           <a:p>
             <a:fld id="{019E29B9-5584-4737-9C98-1B926378C778}" type="datetime1">
               <a:rPr lang="en-US" smtClean="0"/>
-              <a:t>5/28/2021</a:t>
+              <a:t>6/3/2021</a:t>
             </a:fld>
             <a:endParaRPr lang="da-DK"/>
           </a:p>
@@ -1810,7 +1810,7 @@
           <a:p>
             <a:fld id="{FCE38F03-F67D-4508-A858-99FCD085087C}" type="datetime1">
               <a:rPr lang="en-US" smtClean="0"/>
-              <a:t>5/28/2021</a:t>
+              <a:t>6/3/2021</a:t>
             </a:fld>
             <a:endParaRPr lang="da-DK"/>
           </a:p>
@@ -2081,7 +2081,7 @@
           <a:p>
             <a:fld id="{B43F2930-3FFD-4F93-A4BD-4F0D1A0B4514}" type="datetime1">
               <a:rPr lang="en-US" smtClean="0"/>
-              <a:t>5/28/2021</a:t>
+              <a:t>6/3/2021</a:t>
             </a:fld>
             <a:endParaRPr lang="da-DK"/>
           </a:p>
@@ -2499,7 +2499,7 @@
           <a:p>
             <a:fld id="{8E0F9B9B-30CC-4693-8E0F-1A94A979E2C5}" type="datetime1">
               <a:rPr lang="en-US" smtClean="0"/>
-              <a:t>5/28/2021</a:t>
+              <a:t>6/3/2021</a:t>
             </a:fld>
             <a:endParaRPr lang="da-DK"/>
           </a:p>
@@ -2644,7 +2644,7 @@
           <a:p>
             <a:fld id="{6FE1433B-E6A7-44FF-8B55-539471B4D7C5}" type="datetime1">
               <a:rPr lang="en-US" smtClean="0"/>
-              <a:t>5/28/2021</a:t>
+              <a:t>6/3/2021</a:t>
             </a:fld>
             <a:endParaRPr lang="da-DK"/>
           </a:p>
@@ -2760,7 +2760,7 @@
           <a:p>
             <a:fld id="{624F4001-6A8C-42DA-824F-B5CC1375B861}" type="datetime1">
               <a:rPr lang="en-US" smtClean="0"/>
-              <a:t>5/28/2021</a:t>
+              <a:t>6/3/2021</a:t>
             </a:fld>
             <a:endParaRPr lang="da-DK"/>
           </a:p>
@@ -3076,7 +3076,7 @@
           <a:p>
             <a:fld id="{2D3BE137-2C5E-4078-8BA2-7D42D7E67218}" type="datetime1">
               <a:rPr lang="en-US" smtClean="0"/>
-              <a:t>5/28/2021</a:t>
+              <a:t>6/3/2021</a:t>
             </a:fld>
             <a:endParaRPr lang="da-DK"/>
           </a:p>
@@ -3368,7 +3368,7 @@
           <a:p>
             <a:fld id="{0D1436FF-56D3-4E93-92E8-71121EAB120E}" type="datetime1">
               <a:rPr lang="en-US" smtClean="0"/>
-              <a:t>5/28/2021</a:t>
+              <a:t>6/3/2021</a:t>
             </a:fld>
             <a:endParaRPr lang="da-DK"/>
           </a:p>
@@ -3614,7 +3614,7 @@
           <a:p>
             <a:fld id="{16601EF2-4BCA-4009-ACCF-B97F259DEF6F}" type="datetime1">
               <a:rPr lang="en-US" smtClean="0"/>
-              <a:t>5/28/2021</a:t>
+              <a:t>6/3/2021</a:t>
             </a:fld>
             <a:endParaRPr lang="da-DK"/>
           </a:p>
@@ -4100,7 +4100,7 @@
           <a:p>
             <a:r>
               <a:rPr lang="da-DK" dirty="0"/>
-              <a:t>02457 Machine Learning Operations</a:t>
+              <a:t>Machine Learning Operations</a:t>
             </a:r>
           </a:p>
           <a:p>
@@ -4299,7 +4299,7 @@
           <a:p>
             <a:fld id="{019E29B9-5584-4737-9C98-1B926378C778}" type="datetime1">
               <a:rPr lang="en-US" smtClean="0"/>
-              <a:t>5/28/2021</a:t>
+              <a:t>6/3/2021</a:t>
             </a:fld>
             <a:endParaRPr lang="da-DK"/>
           </a:p>
@@ -4674,7 +4674,7 @@
           <a:p>
             <a:fld id="{019E29B9-5584-4737-9C98-1B926378C778}" type="datetime1">
               <a:rPr lang="en-US" smtClean="0"/>
-              <a:t>5/28/2021</a:t>
+              <a:t>6/3/2021</a:t>
             </a:fld>
             <a:endParaRPr lang="da-DK"/>
           </a:p>
@@ -4843,7 +4843,7 @@
           <a:p>
             <a:fld id="{019E29B9-5584-4737-9C98-1B926378C778}" type="datetime1">
               <a:rPr lang="en-US" smtClean="0"/>
-              <a:t>5/28/2021</a:t>
+              <a:t>6/3/2021</a:t>
             </a:fld>
             <a:endParaRPr lang="da-DK"/>
           </a:p>
@@ -5052,7 +5052,7 @@
           <a:p>
             <a:fld id="{019E29B9-5584-4737-9C98-1B926378C778}" type="datetime1">
               <a:rPr lang="en-US" smtClean="0"/>
-              <a:t>5/28/2021</a:t>
+              <a:t>6/3/2021</a:t>
             </a:fld>
             <a:endParaRPr lang="da-DK"/>
           </a:p>
@@ -5422,7 +5422,7 @@
           <a:p>
             <a:fld id="{019E29B9-5584-4737-9C98-1B926378C778}" type="datetime1">
               <a:rPr lang="en-US" smtClean="0"/>
-              <a:t>5/28/2021</a:t>
+              <a:t>6/3/2021</a:t>
             </a:fld>
             <a:endParaRPr lang="da-DK"/>
           </a:p>
@@ -6029,7 +6029,7 @@
           <a:p>
             <a:fld id="{019E29B9-5584-4737-9C98-1B926378C778}" type="datetime1">
               <a:rPr lang="en-US" smtClean="0"/>
-              <a:t>5/28/2021</a:t>
+              <a:t>6/3/2021</a:t>
             </a:fld>
             <a:endParaRPr lang="da-DK"/>
           </a:p>
@@ -6481,7 +6481,7 @@
           <a:p>
             <a:fld id="{019E29B9-5584-4737-9C98-1B926378C778}" type="datetime1">
               <a:rPr lang="en-US" smtClean="0"/>
-              <a:t>5/28/2021</a:t>
+              <a:t>6/3/2021</a:t>
             </a:fld>
             <a:endParaRPr lang="da-DK"/>
           </a:p>
@@ -6742,7 +6742,7 @@
           <a:p>
             <a:fld id="{019E29B9-5584-4737-9C98-1B926378C778}" type="datetime1">
               <a:rPr lang="en-US" smtClean="0"/>
-              <a:t>5/28/2021</a:t>
+              <a:t>6/3/2021</a:t>
             </a:fld>
             <a:endParaRPr lang="da-DK"/>
           </a:p>
@@ -7044,7 +7044,7 @@
           <a:p>
             <a:fld id="{019E29B9-5584-4737-9C98-1B926378C778}" type="datetime1">
               <a:rPr lang="en-US" smtClean="0"/>
-              <a:t>5/28/2021</a:t>
+              <a:t>6/3/2021</a:t>
             </a:fld>
             <a:endParaRPr lang="da-DK"/>
           </a:p>
@@ -7234,7 +7234,7 @@
           <a:p>
             <a:fld id="{019E29B9-5584-4737-9C98-1B926378C778}" type="datetime1">
               <a:rPr lang="en-US" smtClean="0"/>
-              <a:t>5/28/2021</a:t>
+              <a:t>6/3/2021</a:t>
             </a:fld>
             <a:endParaRPr lang="da-DK"/>
           </a:p>
@@ -7445,7 +7445,7 @@
           <a:p>
             <a:fld id="{019E29B9-5584-4737-9C98-1B926378C778}" type="datetime1">
               <a:rPr lang="en-US" smtClean="0"/>
-              <a:t>5/28/2021</a:t>
+              <a:t>6/3/2021</a:t>
             </a:fld>
             <a:endParaRPr lang="da-DK" dirty="0"/>
           </a:p>

--- a/03_debuggin_and_visualization/Debugging.pptx
+++ b/03_debuggin_and_visualization/Debugging.pptx
@@ -226,7 +226,7 @@
           <a:p>
             <a:fld id="{D75CAE95-D2DD-4998-876A-092BFD628C65}" type="datetimeFigureOut">
               <a:rPr lang="da-DK" smtClean="0"/>
-              <a:t>03-06-2021</a:t>
+              <a:t>08-06-2021</a:t>
             </a:fld>
             <a:endParaRPr lang="da-DK"/>
           </a:p>
@@ -404,7 +404,7 @@
           <a:p>
             <a:fld id="{1DA8E099-58AA-4136-B409-1CAD1943D842}" type="datetimeFigureOut">
               <a:rPr lang="da-DK" smtClean="0"/>
-              <a:t>03-06-2021</a:t>
+              <a:t>08-06-2021</a:t>
             </a:fld>
             <a:endParaRPr lang="da-DK"/>
           </a:p>
@@ -822,7 +822,7 @@
           <a:p>
             <a:fld id="{C85334AD-9960-4065-BF34-86ED0345A76D}" type="datetime1">
               <a:rPr lang="en-US" smtClean="0"/>
-              <a:t>6/3/2021</a:t>
+              <a:t>6/8/2021</a:t>
             </a:fld>
             <a:endParaRPr lang="da-DK"/>
           </a:p>
@@ -1061,7 +1061,7 @@
           <a:p>
             <a:fld id="{C5669758-3775-48D7-A841-693E908C3BF4}" type="datetime1">
               <a:rPr lang="en-US" smtClean="0"/>
-              <a:t>6/3/2021</a:t>
+              <a:t>6/8/2021</a:t>
             </a:fld>
             <a:endParaRPr lang="da-DK"/>
           </a:p>
@@ -1274,7 +1274,7 @@
           <a:p>
             <a:fld id="{1E0C3FF1-EDBD-4F2A-8366-34A4E3728310}" type="datetime1">
               <a:rPr lang="en-US" smtClean="0"/>
-              <a:t>6/3/2021</a:t>
+              <a:t>6/8/2021</a:t>
             </a:fld>
             <a:endParaRPr lang="da-DK"/>
           </a:p>
@@ -1495,7 +1495,7 @@
           <a:p>
             <a:fld id="{019E29B9-5584-4737-9C98-1B926378C778}" type="datetime1">
               <a:rPr lang="en-US" smtClean="0"/>
-              <a:t>6/3/2021</a:t>
+              <a:t>6/8/2021</a:t>
             </a:fld>
             <a:endParaRPr lang="da-DK"/>
           </a:p>
@@ -1810,7 +1810,7 @@
           <a:p>
             <a:fld id="{FCE38F03-F67D-4508-A858-99FCD085087C}" type="datetime1">
               <a:rPr lang="en-US" smtClean="0"/>
-              <a:t>6/3/2021</a:t>
+              <a:t>6/8/2021</a:t>
             </a:fld>
             <a:endParaRPr lang="da-DK"/>
           </a:p>
@@ -2081,7 +2081,7 @@
           <a:p>
             <a:fld id="{B43F2930-3FFD-4F93-A4BD-4F0D1A0B4514}" type="datetime1">
               <a:rPr lang="en-US" smtClean="0"/>
-              <a:t>6/3/2021</a:t>
+              <a:t>6/8/2021</a:t>
             </a:fld>
             <a:endParaRPr lang="da-DK"/>
           </a:p>
@@ -2499,7 +2499,7 @@
           <a:p>
             <a:fld id="{8E0F9B9B-30CC-4693-8E0F-1A94A979E2C5}" type="datetime1">
               <a:rPr lang="en-US" smtClean="0"/>
-              <a:t>6/3/2021</a:t>
+              <a:t>6/8/2021</a:t>
             </a:fld>
             <a:endParaRPr lang="da-DK"/>
           </a:p>
@@ -2644,7 +2644,7 @@
           <a:p>
             <a:fld id="{6FE1433B-E6A7-44FF-8B55-539471B4D7C5}" type="datetime1">
               <a:rPr lang="en-US" smtClean="0"/>
-              <a:t>6/3/2021</a:t>
+              <a:t>6/8/2021</a:t>
             </a:fld>
             <a:endParaRPr lang="da-DK"/>
           </a:p>
@@ -2760,7 +2760,7 @@
           <a:p>
             <a:fld id="{624F4001-6A8C-42DA-824F-B5CC1375B861}" type="datetime1">
               <a:rPr lang="en-US" smtClean="0"/>
-              <a:t>6/3/2021</a:t>
+              <a:t>6/8/2021</a:t>
             </a:fld>
             <a:endParaRPr lang="da-DK"/>
           </a:p>
@@ -3076,7 +3076,7 @@
           <a:p>
             <a:fld id="{2D3BE137-2C5E-4078-8BA2-7D42D7E67218}" type="datetime1">
               <a:rPr lang="en-US" smtClean="0"/>
-              <a:t>6/3/2021</a:t>
+              <a:t>6/8/2021</a:t>
             </a:fld>
             <a:endParaRPr lang="da-DK"/>
           </a:p>
@@ -3368,7 +3368,7 @@
           <a:p>
             <a:fld id="{0D1436FF-56D3-4E93-92E8-71121EAB120E}" type="datetime1">
               <a:rPr lang="en-US" smtClean="0"/>
-              <a:t>6/3/2021</a:t>
+              <a:t>6/8/2021</a:t>
             </a:fld>
             <a:endParaRPr lang="da-DK"/>
           </a:p>
@@ -3614,7 +3614,7 @@
           <a:p>
             <a:fld id="{16601EF2-4BCA-4009-ACCF-B97F259DEF6F}" type="datetime1">
               <a:rPr lang="en-US" smtClean="0"/>
-              <a:t>6/3/2021</a:t>
+              <a:t>6/8/2021</a:t>
             </a:fld>
             <a:endParaRPr lang="da-DK"/>
           </a:p>
@@ -4299,7 +4299,7 @@
           <a:p>
             <a:fld id="{019E29B9-5584-4737-9C98-1B926378C778}" type="datetime1">
               <a:rPr lang="en-US" smtClean="0"/>
-              <a:t>6/3/2021</a:t>
+              <a:t>6/8/2021</a:t>
             </a:fld>
             <a:endParaRPr lang="da-DK"/>
           </a:p>
@@ -4674,7 +4674,7 @@
           <a:p>
             <a:fld id="{019E29B9-5584-4737-9C98-1B926378C778}" type="datetime1">
               <a:rPr lang="en-US" smtClean="0"/>
-              <a:t>6/3/2021</a:t>
+              <a:t>6/8/2021</a:t>
             </a:fld>
             <a:endParaRPr lang="da-DK"/>
           </a:p>
@@ -4843,7 +4843,7 @@
           <a:p>
             <a:fld id="{019E29B9-5584-4737-9C98-1B926378C778}" type="datetime1">
               <a:rPr lang="en-US" smtClean="0"/>
-              <a:t>6/3/2021</a:t>
+              <a:t>6/8/2021</a:t>
             </a:fld>
             <a:endParaRPr lang="da-DK"/>
           </a:p>
@@ -5052,7 +5052,7 @@
           <a:p>
             <a:fld id="{019E29B9-5584-4737-9C98-1B926378C778}" type="datetime1">
               <a:rPr lang="en-US" smtClean="0"/>
-              <a:t>6/3/2021</a:t>
+              <a:t>6/8/2021</a:t>
             </a:fld>
             <a:endParaRPr lang="da-DK"/>
           </a:p>
@@ -5422,7 +5422,7 @@
           <a:p>
             <a:fld id="{019E29B9-5584-4737-9C98-1B926378C778}" type="datetime1">
               <a:rPr lang="en-US" smtClean="0"/>
-              <a:t>6/3/2021</a:t>
+              <a:t>6/8/2021</a:t>
             </a:fld>
             <a:endParaRPr lang="da-DK"/>
           </a:p>
@@ -6000,7 +6000,17 @@
             </a:pPr>
             <a:r>
               <a:rPr lang="en-US" dirty="0"/>
-              <a:t>See details here: https://switowski.com/blog/ipython-debugging</a:t>
+              <a:t>See details here: </a:t>
+            </a:r>
+            <a:r>
+              <a:rPr lang="en-US" dirty="0">
+                <a:hlinkClick r:id="rId2"/>
+              </a:rPr>
+              <a:t>https://switowski.com/blog/ipython-debugging</a:t>
+            </a:r>
+            <a:r>
+              <a:rPr lang="en-US" dirty="0"/>
+              <a:t> </a:t>
             </a:r>
             <a:endParaRPr lang="da-DK" dirty="0"/>
           </a:p>
@@ -6029,7 +6039,7 @@
           <a:p>
             <a:fld id="{019E29B9-5584-4737-9C98-1B926378C778}" type="datetime1">
               <a:rPr lang="en-US" smtClean="0"/>
-              <a:t>6/3/2021</a:t>
+              <a:t>6/8/2021</a:t>
             </a:fld>
             <a:endParaRPr lang="da-DK"/>
           </a:p>
@@ -6481,7 +6491,7 @@
           <a:p>
             <a:fld id="{019E29B9-5584-4737-9C98-1B926378C778}" type="datetime1">
               <a:rPr lang="en-US" smtClean="0"/>
-              <a:t>6/3/2021</a:t>
+              <a:t>6/8/2021</a:t>
             </a:fld>
             <a:endParaRPr lang="da-DK"/>
           </a:p>
@@ -6742,7 +6752,7 @@
           <a:p>
             <a:fld id="{019E29B9-5584-4737-9C98-1B926378C778}" type="datetime1">
               <a:rPr lang="en-US" smtClean="0"/>
-              <a:t>6/3/2021</a:t>
+              <a:t>6/8/2021</a:t>
             </a:fld>
             <a:endParaRPr lang="da-DK"/>
           </a:p>
@@ -7044,7 +7054,7 @@
           <a:p>
             <a:fld id="{019E29B9-5584-4737-9C98-1B926378C778}" type="datetime1">
               <a:rPr lang="en-US" smtClean="0"/>
-              <a:t>6/3/2021</a:t>
+              <a:t>6/8/2021</a:t>
             </a:fld>
             <a:endParaRPr lang="da-DK"/>
           </a:p>
@@ -7234,7 +7244,7 @@
           <a:p>
             <a:fld id="{019E29B9-5584-4737-9C98-1B926378C778}" type="datetime1">
               <a:rPr lang="en-US" smtClean="0"/>
-              <a:t>6/3/2021</a:t>
+              <a:t>6/8/2021</a:t>
             </a:fld>
             <a:endParaRPr lang="da-DK"/>
           </a:p>
@@ -7445,7 +7455,7 @@
           <a:p>
             <a:fld id="{019E29B9-5584-4737-9C98-1B926378C778}" type="datetime1">
               <a:rPr lang="en-US" smtClean="0"/>
-              <a:t>6/3/2021</a:t>
+              <a:t>6/8/2021</a:t>
             </a:fld>
             <a:endParaRPr lang="da-DK" dirty="0"/>
           </a:p>
